--- a/로스트아크/창술사 역기획/스킬/확인해봐야하는 사항.pptx
+++ b/로스트아크/창술사 역기획/스킬/확인해봐야하는 사항.pptx
@@ -270,7 +270,7 @@
           <a:p>
             <a:fld id="{B085078B-6F3C-4D23-A1A9-0C93AF50129E}" type="datetimeFigureOut">
               <a:rPr lang="ko-KR" altLang="en-US" smtClean="0"/>
-              <a:t>2025-07-22</a:t>
+              <a:t>2025-07-24</a:t>
             </a:fld>
             <a:endParaRPr lang="ko-KR" altLang="en-US"/>
           </a:p>
@@ -468,7 +468,7 @@
           <a:p>
             <a:fld id="{B085078B-6F3C-4D23-A1A9-0C93AF50129E}" type="datetimeFigureOut">
               <a:rPr lang="ko-KR" altLang="en-US" smtClean="0"/>
-              <a:t>2025-07-22</a:t>
+              <a:t>2025-07-24</a:t>
             </a:fld>
             <a:endParaRPr lang="ko-KR" altLang="en-US"/>
           </a:p>
@@ -676,7 +676,7 @@
           <a:p>
             <a:fld id="{B085078B-6F3C-4D23-A1A9-0C93AF50129E}" type="datetimeFigureOut">
               <a:rPr lang="ko-KR" altLang="en-US" smtClean="0"/>
-              <a:t>2025-07-22</a:t>
+              <a:t>2025-07-24</a:t>
             </a:fld>
             <a:endParaRPr lang="ko-KR" altLang="en-US"/>
           </a:p>
@@ -874,7 +874,7 @@
           <a:p>
             <a:fld id="{B085078B-6F3C-4D23-A1A9-0C93AF50129E}" type="datetimeFigureOut">
               <a:rPr lang="ko-KR" altLang="en-US" smtClean="0"/>
-              <a:t>2025-07-22</a:t>
+              <a:t>2025-07-24</a:t>
             </a:fld>
             <a:endParaRPr lang="ko-KR" altLang="en-US"/>
           </a:p>
@@ -1149,7 +1149,7 @@
           <a:p>
             <a:fld id="{B085078B-6F3C-4D23-A1A9-0C93AF50129E}" type="datetimeFigureOut">
               <a:rPr lang="ko-KR" altLang="en-US" smtClean="0"/>
-              <a:t>2025-07-22</a:t>
+              <a:t>2025-07-24</a:t>
             </a:fld>
             <a:endParaRPr lang="ko-KR" altLang="en-US"/>
           </a:p>
@@ -1414,7 +1414,7 @@
           <a:p>
             <a:fld id="{B085078B-6F3C-4D23-A1A9-0C93AF50129E}" type="datetimeFigureOut">
               <a:rPr lang="ko-KR" altLang="en-US" smtClean="0"/>
-              <a:t>2025-07-22</a:t>
+              <a:t>2025-07-24</a:t>
             </a:fld>
             <a:endParaRPr lang="ko-KR" altLang="en-US"/>
           </a:p>
@@ -1826,7 +1826,7 @@
           <a:p>
             <a:fld id="{B085078B-6F3C-4D23-A1A9-0C93AF50129E}" type="datetimeFigureOut">
               <a:rPr lang="ko-KR" altLang="en-US" smtClean="0"/>
-              <a:t>2025-07-22</a:t>
+              <a:t>2025-07-24</a:t>
             </a:fld>
             <a:endParaRPr lang="ko-KR" altLang="en-US"/>
           </a:p>
@@ -1967,7 +1967,7 @@
           <a:p>
             <a:fld id="{B085078B-6F3C-4D23-A1A9-0C93AF50129E}" type="datetimeFigureOut">
               <a:rPr lang="ko-KR" altLang="en-US" smtClean="0"/>
-              <a:t>2025-07-22</a:t>
+              <a:t>2025-07-24</a:t>
             </a:fld>
             <a:endParaRPr lang="ko-KR" altLang="en-US"/>
           </a:p>
@@ -2080,7 +2080,7 @@
           <a:p>
             <a:fld id="{B085078B-6F3C-4D23-A1A9-0C93AF50129E}" type="datetimeFigureOut">
               <a:rPr lang="ko-KR" altLang="en-US" smtClean="0"/>
-              <a:t>2025-07-22</a:t>
+              <a:t>2025-07-24</a:t>
             </a:fld>
             <a:endParaRPr lang="ko-KR" altLang="en-US"/>
           </a:p>
@@ -2391,7 +2391,7 @@
           <a:p>
             <a:fld id="{B085078B-6F3C-4D23-A1A9-0C93AF50129E}" type="datetimeFigureOut">
               <a:rPr lang="ko-KR" altLang="en-US" smtClean="0"/>
-              <a:t>2025-07-22</a:t>
+              <a:t>2025-07-24</a:t>
             </a:fld>
             <a:endParaRPr lang="ko-KR" altLang="en-US"/>
           </a:p>
@@ -2679,7 +2679,7 @@
           <a:p>
             <a:fld id="{B085078B-6F3C-4D23-A1A9-0C93AF50129E}" type="datetimeFigureOut">
               <a:rPr lang="ko-KR" altLang="en-US" smtClean="0"/>
-              <a:t>2025-07-22</a:t>
+              <a:t>2025-07-24</a:t>
             </a:fld>
             <a:endParaRPr lang="ko-KR" altLang="en-US"/>
           </a:p>
@@ -2920,7 +2920,7 @@
           <a:p>
             <a:fld id="{B085078B-6F3C-4D23-A1A9-0C93AF50129E}" type="datetimeFigureOut">
               <a:rPr lang="ko-KR" altLang="en-US" smtClean="0"/>
-              <a:t>2025-07-22</a:t>
+              <a:t>2025-07-24</a:t>
             </a:fld>
             <a:endParaRPr lang="ko-KR" altLang="en-US"/>
           </a:p>
@@ -3352,7 +3352,7 @@
         <p:spPr>
           <a:xfrm>
             <a:off x="0" y="93519"/>
-            <a:ext cx="5471370" cy="369332"/>
+            <a:ext cx="5471370" cy="723275"/>
           </a:xfrm>
           <a:prstGeom prst="rect">
             <a:avLst/>
@@ -3489,6 +3489,43 @@
               <a:cs typeface="Pretendard Medium" panose="02000603000000020004" pitchFamily="2" charset="-127"/>
             </a:endParaRPr>
           </a:p>
+          <a:p>
+            <a:pPr>
+              <a:spcAft>
+                <a:spcPts val="600"/>
+              </a:spcAft>
+            </a:pPr>
+            <a:r>
+              <a:rPr lang="en-US" altLang="ko-KR" dirty="0">
+                <a:solidFill>
+                  <a:srgbClr val="0070C0"/>
+                </a:solidFill>
+                <a:latin typeface="Pretendard Medium" panose="02000603000000020004" pitchFamily="2" charset="-127"/>
+                <a:ea typeface="Pretendard Medium" panose="02000603000000020004" pitchFamily="2" charset="-127"/>
+                <a:cs typeface="Pretendard Medium" panose="02000603000000020004" pitchFamily="2" charset="-127"/>
+              </a:rPr>
+              <a:t>=&gt; </a:t>
+            </a:r>
+            <a:r>
+              <a:rPr lang="ko-KR" altLang="en-US" dirty="0">
+                <a:solidFill>
+                  <a:srgbClr val="0070C0"/>
+                </a:solidFill>
+                <a:latin typeface="Pretendard Medium" panose="02000603000000020004" pitchFamily="2" charset="-127"/>
+                <a:ea typeface="Pretendard Medium" panose="02000603000000020004" pitchFamily="2" charset="-127"/>
+                <a:cs typeface="Pretendard Medium" panose="02000603000000020004" pitchFamily="2" charset="-127"/>
+              </a:rPr>
+              <a:t>있음</a:t>
+            </a:r>
+            <a:endParaRPr lang="en-US" altLang="ko-KR" dirty="0">
+              <a:solidFill>
+                <a:srgbClr val="0070C0"/>
+              </a:solidFill>
+              <a:latin typeface="Pretendard Medium" panose="02000603000000020004" pitchFamily="2" charset="-127"/>
+              <a:ea typeface="Pretendard Medium" panose="02000603000000020004" pitchFamily="2" charset="-127"/>
+              <a:cs typeface="Pretendard Medium" panose="02000603000000020004" pitchFamily="2" charset="-127"/>
+            </a:endParaRPr>
+          </a:p>
         </p:txBody>
       </p:sp>
       <p:sp>
@@ -3506,7 +3543,7 @@
         <p:spPr>
           <a:xfrm>
             <a:off x="6317673" y="93519"/>
-            <a:ext cx="4549643" cy="1077218"/>
+            <a:ext cx="5166799" cy="1077218"/>
           </a:xfrm>
           <a:prstGeom prst="rect">
             <a:avLst/>
@@ -3539,9 +3576,34 @@
                 <a:ea typeface="Pretendard Medium" panose="02000603000000020004" pitchFamily="2" charset="-127"/>
                 <a:cs typeface="Pretendard Medium" panose="02000603000000020004" pitchFamily="2" charset="-127"/>
               </a:rPr>
-              <a:t>각 스킬 별 공격 범위</a:t>
+              <a:t>각 스킬 별 공격 범위 </a:t>
+            </a:r>
+            <a:r>
+              <a:rPr lang="en-US" altLang="ko-KR" dirty="0">
+                <a:solidFill>
+                  <a:srgbClr val="0070C0"/>
+                </a:solidFill>
+                <a:latin typeface="Pretendard Medium" panose="02000603000000020004" pitchFamily="2" charset="-127"/>
+                <a:ea typeface="Pretendard Medium" panose="02000603000000020004" pitchFamily="2" charset="-127"/>
+                <a:cs typeface="Pretendard Medium" panose="02000603000000020004" pitchFamily="2" charset="-127"/>
+              </a:rPr>
+              <a:t>=&gt; </a:t>
+            </a:r>
+            <a:r>
+              <a:rPr lang="ko-KR" altLang="en-US" dirty="0">
+                <a:solidFill>
+                  <a:srgbClr val="0070C0"/>
+                </a:solidFill>
+                <a:latin typeface="Pretendard Medium" panose="02000603000000020004" pitchFamily="2" charset="-127"/>
+                <a:ea typeface="Pretendard Medium" panose="02000603000000020004" pitchFamily="2" charset="-127"/>
+                <a:cs typeface="Pretendard Medium" panose="02000603000000020004" pitchFamily="2" charset="-127"/>
+              </a:rPr>
+              <a:t>확인함</a:t>
             </a:r>
             <a:endParaRPr lang="en-US" altLang="ko-KR" dirty="0">
+              <a:solidFill>
+                <a:srgbClr val="0070C0"/>
+              </a:solidFill>
               <a:latin typeface="Pretendard Medium" panose="02000603000000020004" pitchFamily="2" charset="-127"/>
               <a:ea typeface="Pretendard Medium" panose="02000603000000020004" pitchFamily="2" charset="-127"/>
               <a:cs typeface="Pretendard Medium" panose="02000603000000020004" pitchFamily="2" charset="-127"/>
@@ -3600,7 +3662,31 @@
                 <a:ea typeface="Pretendard Medium" panose="02000603000000020004" pitchFamily="2" charset="-127"/>
                 <a:cs typeface="Pretendard Medium" panose="02000603000000020004" pitchFamily="2" charset="-127"/>
               </a:rPr>
-              <a:t>여부</a:t>
+              <a:t>여부 </a:t>
+            </a:r>
+            <a:r>
+              <a:rPr lang="en-US" altLang="ko-KR" dirty="0">
+                <a:latin typeface="Pretendard Medium" panose="02000603000000020004" pitchFamily="2" charset="-127"/>
+                <a:ea typeface="Pretendard Medium" panose="02000603000000020004" pitchFamily="2" charset="-127"/>
+                <a:cs typeface="Pretendard Medium" panose="02000603000000020004" pitchFamily="2" charset="-127"/>
+              </a:rPr>
+              <a:t>(</a:t>
+            </a:r>
+            <a:r>
+              <a:rPr lang="ko-KR" altLang="en-US" dirty="0">
+                <a:latin typeface="Pretendard Medium" panose="02000603000000020004" pitchFamily="2" charset="-127"/>
+                <a:ea typeface="Pretendard Medium" panose="02000603000000020004" pitchFamily="2" charset="-127"/>
+                <a:cs typeface="Pretendard Medium" panose="02000603000000020004" pitchFamily="2" charset="-127"/>
+              </a:rPr>
+              <a:t>추후</a:t>
+            </a:r>
+            <a:r>
+              <a:rPr lang="en-US" altLang="ko-KR">
+                <a:latin typeface="Pretendard Medium" panose="02000603000000020004" pitchFamily="2" charset="-127"/>
+                <a:ea typeface="Pretendard Medium" panose="02000603000000020004" pitchFamily="2" charset="-127"/>
+                <a:cs typeface="Pretendard Medium" panose="02000603000000020004" pitchFamily="2" charset="-127"/>
+              </a:rPr>
+              <a:t>)</a:t>
             </a:r>
             <a:endParaRPr lang="en-US" altLang="ko-KR" dirty="0">
               <a:latin typeface="Pretendard Medium" panose="02000603000000020004" pitchFamily="2" charset="-127"/>
@@ -3629,7 +3715,29 @@
                 <a:ea typeface="Pretendard Medium" panose="02000603000000020004" pitchFamily="2" charset="-127"/>
                 <a:cs typeface="Pretendard Medium" panose="02000603000000020004" pitchFamily="2" charset="-127"/>
               </a:rPr>
-              <a:t>필요한 사운드</a:t>
+              <a:t>필요한 사운드 </a:t>
+            </a:r>
+            <a:r>
+              <a:rPr lang="en-US" altLang="ko-KR" dirty="0">
+                <a:solidFill>
+                  <a:srgbClr val="0070C0"/>
+                </a:solidFill>
+                <a:latin typeface="Pretendard Medium" panose="02000603000000020004" pitchFamily="2" charset="-127"/>
+                <a:ea typeface="Pretendard Medium" panose="02000603000000020004" pitchFamily="2" charset="-127"/>
+                <a:cs typeface="Pretendard Medium" panose="02000603000000020004" pitchFamily="2" charset="-127"/>
+              </a:rPr>
+              <a:t>=&gt; </a:t>
+            </a:r>
+            <a:r>
+              <a:rPr lang="ko-KR" altLang="en-US" dirty="0">
+                <a:solidFill>
+                  <a:srgbClr val="0070C0"/>
+                </a:solidFill>
+                <a:latin typeface="Pretendard Medium" panose="02000603000000020004" pitchFamily="2" charset="-127"/>
+                <a:ea typeface="Pretendard Medium" panose="02000603000000020004" pitchFamily="2" charset="-127"/>
+                <a:cs typeface="Pretendard Medium" panose="02000603000000020004" pitchFamily="2" charset="-127"/>
+              </a:rPr>
+              <a:t>녹화에 사운드 다 있음</a:t>
             </a:r>
           </a:p>
         </p:txBody>
@@ -3649,7 +3757,7 @@
         <p:spPr>
           <a:xfrm>
             <a:off x="0" y="3532910"/>
-            <a:ext cx="3716082" cy="369332"/>
+            <a:ext cx="3716082" cy="723275"/>
           </a:xfrm>
           <a:prstGeom prst="rect">
             <a:avLst/>
@@ -3725,6 +3833,165 @@
               <a:t>최대 홀딩 시간</a:t>
             </a:r>
             <a:endParaRPr lang="en-US" altLang="ko-KR" dirty="0">
+              <a:latin typeface="Pretendard Medium" panose="02000603000000020004" pitchFamily="2" charset="-127"/>
+              <a:ea typeface="Pretendard Medium" panose="02000603000000020004" pitchFamily="2" charset="-127"/>
+              <a:cs typeface="Pretendard Medium" panose="02000603000000020004" pitchFamily="2" charset="-127"/>
+            </a:endParaRPr>
+          </a:p>
+          <a:p>
+            <a:pPr>
+              <a:spcAft>
+                <a:spcPts val="600"/>
+              </a:spcAft>
+            </a:pPr>
+            <a:r>
+              <a:rPr lang="en-US" altLang="ko-KR" dirty="0">
+                <a:latin typeface="Pretendard Medium" panose="02000603000000020004" pitchFamily="2" charset="-127"/>
+                <a:ea typeface="Pretendard Medium" panose="02000603000000020004" pitchFamily="2" charset="-127"/>
+                <a:cs typeface="Pretendard Medium" panose="02000603000000020004" pitchFamily="2" charset="-127"/>
+              </a:rPr>
+              <a:t>=&gt; </a:t>
+            </a:r>
+            <a:r>
+              <a:rPr lang="ko-KR" altLang="en-US" dirty="0">
+                <a:latin typeface="Pretendard Medium" panose="02000603000000020004" pitchFamily="2" charset="-127"/>
+                <a:ea typeface="Pretendard Medium" panose="02000603000000020004" pitchFamily="2" charset="-127"/>
+                <a:cs typeface="Pretendard Medium" panose="02000603000000020004" pitchFamily="2" charset="-127"/>
+              </a:rPr>
+              <a:t>녹화함 </a:t>
+            </a:r>
+            <a:r>
+              <a:rPr lang="en-US" altLang="ko-KR" dirty="0">
+                <a:latin typeface="Pretendard Medium" panose="02000603000000020004" pitchFamily="2" charset="-127"/>
+                <a:ea typeface="Pretendard Medium" panose="02000603000000020004" pitchFamily="2" charset="-127"/>
+                <a:cs typeface="Pretendard Medium" panose="02000603000000020004" pitchFamily="2" charset="-127"/>
+              </a:rPr>
+              <a:t>(</a:t>
+            </a:r>
+            <a:r>
+              <a:rPr lang="ko-KR" altLang="en-US" dirty="0" err="1">
+                <a:latin typeface="Pretendard Medium" panose="02000603000000020004" pitchFamily="2" charset="-127"/>
+                <a:ea typeface="Pretendard Medium" panose="02000603000000020004" pitchFamily="2" charset="-127"/>
+                <a:cs typeface="Pretendard Medium" panose="02000603000000020004" pitchFamily="2" charset="-127"/>
+              </a:rPr>
+              <a:t>공속</a:t>
+            </a:r>
+            <a:r>
+              <a:rPr lang="ko-KR" altLang="en-US" dirty="0">
+                <a:latin typeface="Pretendard Medium" panose="02000603000000020004" pitchFamily="2" charset="-127"/>
+                <a:ea typeface="Pretendard Medium" panose="02000603000000020004" pitchFamily="2" charset="-127"/>
+                <a:cs typeface="Pretendard Medium" panose="02000603000000020004" pitchFamily="2" charset="-127"/>
+              </a:rPr>
+              <a:t> </a:t>
+            </a:r>
+            <a:r>
+              <a:rPr lang="en-US" altLang="ko-KR" dirty="0">
+                <a:latin typeface="Pretendard Medium" panose="02000603000000020004" pitchFamily="2" charset="-127"/>
+                <a:ea typeface="Pretendard Medium" panose="02000603000000020004" pitchFamily="2" charset="-127"/>
+                <a:cs typeface="Pretendard Medium" panose="02000603000000020004" pitchFamily="2" charset="-127"/>
+              </a:rPr>
+              <a:t>100% </a:t>
+            </a:r>
+            <a:r>
+              <a:rPr lang="ko-KR" altLang="en-US" dirty="0">
+                <a:latin typeface="Pretendard Medium" panose="02000603000000020004" pitchFamily="2" charset="-127"/>
+                <a:ea typeface="Pretendard Medium" panose="02000603000000020004" pitchFamily="2" charset="-127"/>
+                <a:cs typeface="Pretendard Medium" panose="02000603000000020004" pitchFamily="2" charset="-127"/>
+              </a:rPr>
+              <a:t>기준</a:t>
+            </a:r>
+            <a:r>
+              <a:rPr lang="en-US" altLang="ko-KR" dirty="0">
+                <a:latin typeface="Pretendard Medium" panose="02000603000000020004" pitchFamily="2" charset="-127"/>
+                <a:ea typeface="Pretendard Medium" panose="02000603000000020004" pitchFamily="2" charset="-127"/>
+                <a:cs typeface="Pretendard Medium" panose="02000603000000020004" pitchFamily="2" charset="-127"/>
+              </a:rPr>
+              <a:t>)</a:t>
+            </a:r>
+          </a:p>
+        </p:txBody>
+      </p:sp>
+      <p:sp>
+        <p:nvSpPr>
+          <p:cNvPr id="5" name="TextBox 4">
+            <a:extLst>
+              <a:ext uri="{FF2B5EF4-FFF2-40B4-BE49-F238E27FC236}">
+                <a16:creationId xmlns:a16="http://schemas.microsoft.com/office/drawing/2014/main" id="{C2BFF6F1-BBE1-4779-9CEF-6D7BC9B76DD2}"/>
+              </a:ext>
+            </a:extLst>
+          </p:cNvPr>
+          <p:cNvSpPr txBox="1"/>
+          <p:nvPr/>
+        </p:nvSpPr>
+        <p:spPr>
+          <a:xfrm>
+            <a:off x="4924425" y="2380385"/>
+            <a:ext cx="6454011" cy="584775"/>
+          </a:xfrm>
+          <a:prstGeom prst="rect">
+            <a:avLst/>
+          </a:prstGeom>
+          <a:noFill/>
+        </p:spPr>
+        <p:txBody>
+          <a:bodyPr wrap="none" rtlCol="0">
+            <a:spAutoFit/>
+          </a:bodyPr>
+          <a:lstStyle/>
+          <a:p>
+            <a:pPr>
+              <a:spcAft>
+                <a:spcPts val="600"/>
+              </a:spcAft>
+            </a:pPr>
+            <a:r>
+              <a:rPr lang="ko-KR" altLang="en-US" sz="3200" dirty="0" err="1">
+                <a:solidFill>
+                  <a:srgbClr val="FF0000"/>
+                </a:solidFill>
+                <a:latin typeface="Pretendard Medium" panose="02000603000000020004" pitchFamily="2" charset="-127"/>
+                <a:ea typeface="Pretendard Medium" panose="02000603000000020004" pitchFamily="2" charset="-127"/>
+                <a:cs typeface="Pretendard Medium" panose="02000603000000020004" pitchFamily="2" charset="-127"/>
+              </a:rPr>
+              <a:t>공속</a:t>
+            </a:r>
+            <a:r>
+              <a:rPr lang="ko-KR" altLang="en-US" sz="3200" dirty="0">
+                <a:solidFill>
+                  <a:srgbClr val="FF0000"/>
+                </a:solidFill>
+                <a:latin typeface="Pretendard Medium" panose="02000603000000020004" pitchFamily="2" charset="-127"/>
+                <a:ea typeface="Pretendard Medium" panose="02000603000000020004" pitchFamily="2" charset="-127"/>
+                <a:cs typeface="Pretendard Medium" panose="02000603000000020004" pitchFamily="2" charset="-127"/>
+              </a:rPr>
+              <a:t> </a:t>
+            </a:r>
+            <a:r>
+              <a:rPr lang="en-US" altLang="ko-KR" sz="3200" dirty="0">
+                <a:solidFill>
+                  <a:srgbClr val="FF0000"/>
+                </a:solidFill>
+                <a:latin typeface="Pretendard Medium" panose="02000603000000020004" pitchFamily="2" charset="-127"/>
+                <a:ea typeface="Pretendard Medium" panose="02000603000000020004" pitchFamily="2" charset="-127"/>
+                <a:cs typeface="Pretendard Medium" panose="02000603000000020004" pitchFamily="2" charset="-127"/>
+              </a:rPr>
+              <a:t>100% </a:t>
+            </a:r>
+            <a:r>
+              <a:rPr lang="ko-KR" altLang="en-US" sz="3200" dirty="0">
+                <a:solidFill>
+                  <a:srgbClr val="FF0000"/>
+                </a:solidFill>
+                <a:latin typeface="Pretendard Medium" panose="02000603000000020004" pitchFamily="2" charset="-127"/>
+                <a:ea typeface="Pretendard Medium" panose="02000603000000020004" pitchFamily="2" charset="-127"/>
+                <a:cs typeface="Pretendard Medium" panose="02000603000000020004" pitchFamily="2" charset="-127"/>
+              </a:rPr>
+              <a:t>기준으로 모든 스킬 재 녹화</a:t>
+            </a:r>
+            <a:endParaRPr lang="en-US" altLang="ko-KR" sz="3200" dirty="0">
+              <a:solidFill>
+                <a:srgbClr val="FF0000"/>
+              </a:solidFill>
               <a:latin typeface="Pretendard Medium" panose="02000603000000020004" pitchFamily="2" charset="-127"/>
               <a:ea typeface="Pretendard Medium" panose="02000603000000020004" pitchFamily="2" charset="-127"/>
               <a:cs typeface="Pretendard Medium" panose="02000603000000020004" pitchFamily="2" charset="-127"/>

--- a/로스트아크/창술사 역기획/스킬/확인해봐야하는 사항.pptx
+++ b/로스트아크/창술사 역기획/스킬/확인해봐야하는 사항.pptx
@@ -3339,10 +3339,10 @@
       </p:grpSpPr>
       <p:sp>
         <p:nvSpPr>
-          <p:cNvPr id="4" name="TextBox 3">
-            <a:extLst>
-              <a:ext uri="{FF2B5EF4-FFF2-40B4-BE49-F238E27FC236}">
-                <a16:creationId xmlns:a16="http://schemas.microsoft.com/office/drawing/2014/main" id="{375F811A-AAA9-767F-F85C-4BF6EC8A720D}"/>
+          <p:cNvPr id="2" name="TextBox 1">
+            <a:extLst>
+              <a:ext uri="{FF2B5EF4-FFF2-40B4-BE49-F238E27FC236}">
+                <a16:creationId xmlns:a16="http://schemas.microsoft.com/office/drawing/2014/main" id="{D7DE5809-F70E-8A38-5D2F-79F0B53264CF}"/>
               </a:ext>
             </a:extLst>
           </p:cNvPr>
@@ -3351,8 +3351,8 @@
         </p:nvSpPr>
         <p:spPr>
           <a:xfrm>
-            <a:off x="0" y="93519"/>
-            <a:ext cx="5471370" cy="723275"/>
+            <a:off x="0" y="779319"/>
+            <a:ext cx="5166799" cy="1077218"/>
           </a:xfrm>
           <a:prstGeom prst="rect">
             <a:avLst/>
@@ -3377,7 +3377,7 @@
                 <a:ea typeface="Pretendard Medium" panose="02000603000000020004" pitchFamily="2" charset="-127"/>
                 <a:cs typeface="Pretendard Medium" panose="02000603000000020004" pitchFamily="2" charset="-127"/>
               </a:rPr>
-              <a:t>[2</a:t>
+              <a:t>[ALL] </a:t>
             </a:r>
             <a:r>
               <a:rPr lang="ko-KR" altLang="en-US" dirty="0">
@@ -3385,7 +3385,7 @@
                 <a:ea typeface="Pretendard Medium" panose="02000603000000020004" pitchFamily="2" charset="-127"/>
                 <a:cs typeface="Pretendard Medium" panose="02000603000000020004" pitchFamily="2" charset="-127"/>
               </a:rPr>
-              <a:t>각</a:t>
+              <a:t>각 스킬의 타격 별 경직</a:t>
             </a:r>
             <a:r>
               <a:rPr lang="en-US" altLang="ko-KR" dirty="0">
@@ -3393,7 +3393,7 @@
                 <a:ea typeface="Pretendard Medium" panose="02000603000000020004" pitchFamily="2" charset="-127"/>
                 <a:cs typeface="Pretendard Medium" panose="02000603000000020004" pitchFamily="2" charset="-127"/>
               </a:rPr>
-              <a:t>]</a:t>
+              <a:t>/</a:t>
             </a:r>
             <a:r>
               <a:rPr lang="ko-KR" altLang="en-US" dirty="0">
@@ -3401,15 +3401,15 @@
                 <a:ea typeface="Pretendard Medium" panose="02000603000000020004" pitchFamily="2" charset="-127"/>
                 <a:cs typeface="Pretendard Medium" panose="02000603000000020004" pitchFamily="2" charset="-127"/>
               </a:rPr>
-              <a:t> </a:t>
-            </a:r>
-            <a:r>
-              <a:rPr lang="ko-KR" altLang="en-US" dirty="0" err="1">
+              <a:t>피격 이상</a:t>
+            </a:r>
+            <a:r>
+              <a:rPr lang="en-US" altLang="ko-KR" dirty="0">
                 <a:latin typeface="Pretendard Medium" panose="02000603000000020004" pitchFamily="2" charset="-127"/>
                 <a:ea typeface="Pretendard Medium" panose="02000603000000020004" pitchFamily="2" charset="-127"/>
                 <a:cs typeface="Pretendard Medium" panose="02000603000000020004" pitchFamily="2" charset="-127"/>
               </a:rPr>
-              <a:t>연가창식</a:t>
+              <a:t> </a:t>
             </a:r>
             <a:r>
               <a:rPr lang="ko-KR" altLang="en-US" dirty="0">
@@ -3417,7 +3417,7 @@
                 <a:ea typeface="Pretendard Medium" panose="02000603000000020004" pitchFamily="2" charset="-127"/>
                 <a:cs typeface="Pretendard Medium" panose="02000603000000020004" pitchFamily="2" charset="-127"/>
               </a:rPr>
-              <a:t> </a:t>
+              <a:t>여부 </a:t>
             </a:r>
             <a:r>
               <a:rPr lang="en-US" altLang="ko-KR" dirty="0">
@@ -3425,15 +3425,7 @@
                 <a:ea typeface="Pretendard Medium" panose="02000603000000020004" pitchFamily="2" charset="-127"/>
                 <a:cs typeface="Pretendard Medium" panose="02000603000000020004" pitchFamily="2" charset="-127"/>
               </a:rPr>
-              <a:t>: </a:t>
-            </a:r>
-            <a:r>
-              <a:rPr lang="ko-KR" altLang="en-US" dirty="0" err="1">
-                <a:latin typeface="Pretendard Medium" panose="02000603000000020004" pitchFamily="2" charset="-127"/>
-                <a:ea typeface="Pretendard Medium" panose="02000603000000020004" pitchFamily="2" charset="-127"/>
-                <a:cs typeface="Pretendard Medium" panose="02000603000000020004" pitchFamily="2" charset="-127"/>
-              </a:rPr>
-              <a:t>적룡질풍격</a:t>
+              <a:t>(</a:t>
             </a:r>
             <a:r>
               <a:rPr lang="ko-KR" altLang="en-US" dirty="0">
@@ -3441,7 +3433,7 @@
                 <a:ea typeface="Pretendard Medium" panose="02000603000000020004" pitchFamily="2" charset="-127"/>
                 <a:cs typeface="Pretendard Medium" panose="02000603000000020004" pitchFamily="2" charset="-127"/>
               </a:rPr>
-              <a:t> </a:t>
+              <a:t>추후</a:t>
             </a:r>
             <a:r>
               <a:rPr lang="en-US" altLang="ko-KR" dirty="0">
@@ -3449,7 +3441,23 @@
                 <a:ea typeface="Pretendard Medium" panose="02000603000000020004" pitchFamily="2" charset="-127"/>
                 <a:cs typeface="Pretendard Medium" panose="02000603000000020004" pitchFamily="2" charset="-127"/>
               </a:rPr>
-              <a:t>- ‘</a:t>
+              <a:t>)</a:t>
+            </a:r>
+          </a:p>
+          <a:p>
+            <a:pPr marL="342900" indent="-342900">
+              <a:spcAft>
+                <a:spcPts val="600"/>
+              </a:spcAft>
+              <a:buAutoNum type="arabicPeriod"/>
+            </a:pPr>
+            <a:r>
+              <a:rPr lang="en-US" altLang="ko-KR" dirty="0">
+                <a:latin typeface="Pretendard Medium" panose="02000603000000020004" pitchFamily="2" charset="-127"/>
+                <a:ea typeface="Pretendard Medium" panose="02000603000000020004" pitchFamily="2" charset="-127"/>
+                <a:cs typeface="Pretendard Medium" panose="02000603000000020004" pitchFamily="2" charset="-127"/>
+              </a:rPr>
+              <a:t>[ALL] </a:t>
             </a:r>
             <a:r>
               <a:rPr lang="ko-KR" altLang="en-US" dirty="0">
@@ -3457,23 +3465,28 @@
                 <a:ea typeface="Pretendard Medium" panose="02000603000000020004" pitchFamily="2" charset="-127"/>
                 <a:cs typeface="Pretendard Medium" panose="02000603000000020004" pitchFamily="2" charset="-127"/>
               </a:rPr>
-              <a:t>홀딩 </a:t>
-            </a:r>
-            <a:r>
-              <a:rPr lang="ko-KR" altLang="en-US" dirty="0" err="1">
-                <a:latin typeface="Pretendard Medium" panose="02000603000000020004" pitchFamily="2" charset="-127"/>
-                <a:ea typeface="Pretendard Medium" panose="02000603000000020004" pitchFamily="2" charset="-127"/>
-                <a:cs typeface="Pretendard Medium" panose="02000603000000020004" pitchFamily="2" charset="-127"/>
-              </a:rPr>
-              <a:t>프로그레스바</a:t>
-            </a:r>
+              <a:t>스킬 시전 캔슬 시간</a:t>
+            </a:r>
+            <a:endParaRPr lang="en-US" altLang="ko-KR" dirty="0">
+              <a:latin typeface="Pretendard Medium" panose="02000603000000020004" pitchFamily="2" charset="-127"/>
+              <a:ea typeface="Pretendard Medium" panose="02000603000000020004" pitchFamily="2" charset="-127"/>
+              <a:cs typeface="Pretendard Medium" panose="02000603000000020004" pitchFamily="2" charset="-127"/>
+            </a:endParaRPr>
+          </a:p>
+          <a:p>
+            <a:pPr marL="342900" indent="-342900">
+              <a:spcAft>
+                <a:spcPts val="600"/>
+              </a:spcAft>
+              <a:buAutoNum type="arabicPeriod"/>
+            </a:pPr>
             <a:r>
               <a:rPr lang="en-US" altLang="ko-KR" dirty="0">
                 <a:latin typeface="Pretendard Medium" panose="02000603000000020004" pitchFamily="2" charset="-127"/>
                 <a:ea typeface="Pretendard Medium" panose="02000603000000020004" pitchFamily="2" charset="-127"/>
                 <a:cs typeface="Pretendard Medium" panose="02000603000000020004" pitchFamily="2" charset="-127"/>
               </a:rPr>
-              <a:t>’ </a:t>
+              <a:t>[ALL] </a:t>
             </a:r>
             <a:r>
               <a:rPr lang="ko-KR" altLang="en-US" dirty="0">
@@ -3481,20 +3494,8 @@
                 <a:ea typeface="Pretendard Medium" panose="02000603000000020004" pitchFamily="2" charset="-127"/>
                 <a:cs typeface="Pretendard Medium" panose="02000603000000020004" pitchFamily="2" charset="-127"/>
               </a:rPr>
-              <a:t>여부</a:t>
-            </a:r>
-            <a:endParaRPr lang="en-US" altLang="ko-KR" dirty="0">
-              <a:latin typeface="Pretendard Medium" panose="02000603000000020004" pitchFamily="2" charset="-127"/>
-              <a:ea typeface="Pretendard Medium" panose="02000603000000020004" pitchFamily="2" charset="-127"/>
-              <a:cs typeface="Pretendard Medium" panose="02000603000000020004" pitchFamily="2" charset="-127"/>
-            </a:endParaRPr>
-          </a:p>
-          <a:p>
-            <a:pPr>
-              <a:spcAft>
-                <a:spcPts val="600"/>
-              </a:spcAft>
-            </a:pPr>
+              <a:t>필요한 사운드 </a:t>
+            </a:r>
             <a:r>
               <a:rPr lang="en-US" altLang="ko-KR" dirty="0">
                 <a:solidFill>
@@ -3515,25 +3516,17 @@
                 <a:ea typeface="Pretendard Medium" panose="02000603000000020004" pitchFamily="2" charset="-127"/>
                 <a:cs typeface="Pretendard Medium" panose="02000603000000020004" pitchFamily="2" charset="-127"/>
               </a:rPr>
-              <a:t>있음</a:t>
-            </a:r>
-            <a:endParaRPr lang="en-US" altLang="ko-KR" dirty="0">
-              <a:solidFill>
-                <a:srgbClr val="0070C0"/>
-              </a:solidFill>
-              <a:latin typeface="Pretendard Medium" panose="02000603000000020004" pitchFamily="2" charset="-127"/>
-              <a:ea typeface="Pretendard Medium" panose="02000603000000020004" pitchFamily="2" charset="-127"/>
-              <a:cs typeface="Pretendard Medium" panose="02000603000000020004" pitchFamily="2" charset="-127"/>
-            </a:endParaRPr>
-          </a:p>
-        </p:txBody>
-      </p:sp>
-      <p:sp>
-        <p:nvSpPr>
-          <p:cNvPr id="2" name="TextBox 1">
-            <a:extLst>
-              <a:ext uri="{FF2B5EF4-FFF2-40B4-BE49-F238E27FC236}">
-                <a16:creationId xmlns:a16="http://schemas.microsoft.com/office/drawing/2014/main" id="{D7DE5809-F70E-8A38-5D2F-79F0B53264CF}"/>
+              <a:t>녹화에 사운드 다 있음</a:t>
+            </a:r>
+          </a:p>
+        </p:txBody>
+      </p:sp>
+      <p:sp>
+        <p:nvSpPr>
+          <p:cNvPr id="5" name="TextBox 4">
+            <a:extLst>
+              <a:ext uri="{FF2B5EF4-FFF2-40B4-BE49-F238E27FC236}">
+                <a16:creationId xmlns:a16="http://schemas.microsoft.com/office/drawing/2014/main" id="{C2BFF6F1-BBE1-4779-9CEF-6D7BC9B76DD2}"/>
               </a:ext>
             </a:extLst>
           </p:cNvPr>
@@ -3542,390 +3535,7 @@
         </p:nvSpPr>
         <p:spPr>
           <a:xfrm>
-            <a:off x="6317673" y="93519"/>
-            <a:ext cx="5166799" cy="1077218"/>
-          </a:xfrm>
-          <a:prstGeom prst="rect">
-            <a:avLst/>
-          </a:prstGeom>
-          <a:noFill/>
-        </p:spPr>
-        <p:txBody>
-          <a:bodyPr wrap="none" rtlCol="0">
-            <a:spAutoFit/>
-          </a:bodyPr>
-          <a:lstStyle/>
-          <a:p>
-            <a:pPr marL="342900" indent="-342900">
-              <a:spcAft>
-                <a:spcPts val="600"/>
-              </a:spcAft>
-              <a:buAutoNum type="arabicPeriod"/>
-            </a:pPr>
-            <a:r>
-              <a:rPr lang="en-US" altLang="ko-KR" dirty="0">
-                <a:latin typeface="Pretendard Medium" panose="02000603000000020004" pitchFamily="2" charset="-127"/>
-                <a:ea typeface="Pretendard Medium" panose="02000603000000020004" pitchFamily="2" charset="-127"/>
-                <a:cs typeface="Pretendard Medium" panose="02000603000000020004" pitchFamily="2" charset="-127"/>
-              </a:rPr>
-              <a:t>[ALL] </a:t>
-            </a:r>
-            <a:r>
-              <a:rPr lang="ko-KR" altLang="en-US" dirty="0">
-                <a:latin typeface="Pretendard Medium" panose="02000603000000020004" pitchFamily="2" charset="-127"/>
-                <a:ea typeface="Pretendard Medium" panose="02000603000000020004" pitchFamily="2" charset="-127"/>
-                <a:cs typeface="Pretendard Medium" panose="02000603000000020004" pitchFamily="2" charset="-127"/>
-              </a:rPr>
-              <a:t>각 스킬 별 공격 범위 </a:t>
-            </a:r>
-            <a:r>
-              <a:rPr lang="en-US" altLang="ko-KR" dirty="0">
-                <a:solidFill>
-                  <a:srgbClr val="0070C0"/>
-                </a:solidFill>
-                <a:latin typeface="Pretendard Medium" panose="02000603000000020004" pitchFamily="2" charset="-127"/>
-                <a:ea typeface="Pretendard Medium" panose="02000603000000020004" pitchFamily="2" charset="-127"/>
-                <a:cs typeface="Pretendard Medium" panose="02000603000000020004" pitchFamily="2" charset="-127"/>
-              </a:rPr>
-              <a:t>=&gt; </a:t>
-            </a:r>
-            <a:r>
-              <a:rPr lang="ko-KR" altLang="en-US" dirty="0">
-                <a:solidFill>
-                  <a:srgbClr val="0070C0"/>
-                </a:solidFill>
-                <a:latin typeface="Pretendard Medium" panose="02000603000000020004" pitchFamily="2" charset="-127"/>
-                <a:ea typeface="Pretendard Medium" panose="02000603000000020004" pitchFamily="2" charset="-127"/>
-                <a:cs typeface="Pretendard Medium" panose="02000603000000020004" pitchFamily="2" charset="-127"/>
-              </a:rPr>
-              <a:t>확인함</a:t>
-            </a:r>
-            <a:endParaRPr lang="en-US" altLang="ko-KR" dirty="0">
-              <a:solidFill>
-                <a:srgbClr val="0070C0"/>
-              </a:solidFill>
-              <a:latin typeface="Pretendard Medium" panose="02000603000000020004" pitchFamily="2" charset="-127"/>
-              <a:ea typeface="Pretendard Medium" panose="02000603000000020004" pitchFamily="2" charset="-127"/>
-              <a:cs typeface="Pretendard Medium" panose="02000603000000020004" pitchFamily="2" charset="-127"/>
-            </a:endParaRPr>
-          </a:p>
-          <a:p>
-            <a:pPr marL="342900" indent="-342900">
-              <a:spcAft>
-                <a:spcPts val="600"/>
-              </a:spcAft>
-              <a:buAutoNum type="arabicPeriod"/>
-            </a:pPr>
-            <a:r>
-              <a:rPr lang="en-US" altLang="ko-KR" dirty="0">
-                <a:latin typeface="Pretendard Medium" panose="02000603000000020004" pitchFamily="2" charset="-127"/>
-                <a:ea typeface="Pretendard Medium" panose="02000603000000020004" pitchFamily="2" charset="-127"/>
-                <a:cs typeface="Pretendard Medium" panose="02000603000000020004" pitchFamily="2" charset="-127"/>
-              </a:rPr>
-              <a:t>[ALL] </a:t>
-            </a:r>
-            <a:r>
-              <a:rPr lang="ko-KR" altLang="en-US" dirty="0">
-                <a:latin typeface="Pretendard Medium" panose="02000603000000020004" pitchFamily="2" charset="-127"/>
-                <a:ea typeface="Pretendard Medium" panose="02000603000000020004" pitchFamily="2" charset="-127"/>
-                <a:cs typeface="Pretendard Medium" panose="02000603000000020004" pitchFamily="2" charset="-127"/>
-              </a:rPr>
-              <a:t>각 스킬의 타격 별 경직</a:t>
-            </a:r>
-            <a:r>
-              <a:rPr lang="en-US" altLang="ko-KR" dirty="0">
-                <a:latin typeface="Pretendard Medium" panose="02000603000000020004" pitchFamily="2" charset="-127"/>
-                <a:ea typeface="Pretendard Medium" panose="02000603000000020004" pitchFamily="2" charset="-127"/>
-                <a:cs typeface="Pretendard Medium" panose="02000603000000020004" pitchFamily="2" charset="-127"/>
-              </a:rPr>
-              <a:t>/</a:t>
-            </a:r>
-            <a:r>
-              <a:rPr lang="ko-KR" altLang="en-US" dirty="0">
-                <a:latin typeface="Pretendard Medium" panose="02000603000000020004" pitchFamily="2" charset="-127"/>
-                <a:ea typeface="Pretendard Medium" panose="02000603000000020004" pitchFamily="2" charset="-127"/>
-                <a:cs typeface="Pretendard Medium" panose="02000603000000020004" pitchFamily="2" charset="-127"/>
-              </a:rPr>
-              <a:t>피격 이상</a:t>
-            </a:r>
-            <a:r>
-              <a:rPr lang="en-US" altLang="ko-KR" dirty="0">
-                <a:latin typeface="Pretendard Medium" panose="02000603000000020004" pitchFamily="2" charset="-127"/>
-                <a:ea typeface="Pretendard Medium" panose="02000603000000020004" pitchFamily="2" charset="-127"/>
-                <a:cs typeface="Pretendard Medium" panose="02000603000000020004" pitchFamily="2" charset="-127"/>
-              </a:rPr>
-              <a:t> </a:t>
-            </a:r>
-            <a:r>
-              <a:rPr lang="ko-KR" altLang="en-US" dirty="0">
-                <a:latin typeface="Pretendard Medium" panose="02000603000000020004" pitchFamily="2" charset="-127"/>
-                <a:ea typeface="Pretendard Medium" panose="02000603000000020004" pitchFamily="2" charset="-127"/>
-                <a:cs typeface="Pretendard Medium" panose="02000603000000020004" pitchFamily="2" charset="-127"/>
-              </a:rPr>
-              <a:t>여부 </a:t>
-            </a:r>
-            <a:r>
-              <a:rPr lang="en-US" altLang="ko-KR" dirty="0">
-                <a:latin typeface="Pretendard Medium" panose="02000603000000020004" pitchFamily="2" charset="-127"/>
-                <a:ea typeface="Pretendard Medium" panose="02000603000000020004" pitchFamily="2" charset="-127"/>
-                <a:cs typeface="Pretendard Medium" panose="02000603000000020004" pitchFamily="2" charset="-127"/>
-              </a:rPr>
-              <a:t>(</a:t>
-            </a:r>
-            <a:r>
-              <a:rPr lang="ko-KR" altLang="en-US" dirty="0">
-                <a:latin typeface="Pretendard Medium" panose="02000603000000020004" pitchFamily="2" charset="-127"/>
-                <a:ea typeface="Pretendard Medium" panose="02000603000000020004" pitchFamily="2" charset="-127"/>
-                <a:cs typeface="Pretendard Medium" panose="02000603000000020004" pitchFamily="2" charset="-127"/>
-              </a:rPr>
-              <a:t>추후</a:t>
-            </a:r>
-            <a:r>
-              <a:rPr lang="en-US" altLang="ko-KR">
-                <a:latin typeface="Pretendard Medium" panose="02000603000000020004" pitchFamily="2" charset="-127"/>
-                <a:ea typeface="Pretendard Medium" panose="02000603000000020004" pitchFamily="2" charset="-127"/>
-                <a:cs typeface="Pretendard Medium" panose="02000603000000020004" pitchFamily="2" charset="-127"/>
-              </a:rPr>
-              <a:t>)</a:t>
-            </a:r>
-            <a:endParaRPr lang="en-US" altLang="ko-KR" dirty="0">
-              <a:latin typeface="Pretendard Medium" panose="02000603000000020004" pitchFamily="2" charset="-127"/>
-              <a:ea typeface="Pretendard Medium" panose="02000603000000020004" pitchFamily="2" charset="-127"/>
-              <a:cs typeface="Pretendard Medium" panose="02000603000000020004" pitchFamily="2" charset="-127"/>
-            </a:endParaRPr>
-          </a:p>
-          <a:p>
-            <a:pPr marL="342900" indent="-342900">
-              <a:spcAft>
-                <a:spcPts val="600"/>
-              </a:spcAft>
-              <a:buAutoNum type="arabicPeriod"/>
-            </a:pPr>
-            <a:r>
-              <a:rPr lang="en-US" altLang="ko-KR" dirty="0">
-                <a:latin typeface="Pretendard Medium" panose="02000603000000020004" pitchFamily="2" charset="-127"/>
-                <a:ea typeface="Pretendard Medium" panose="02000603000000020004" pitchFamily="2" charset="-127"/>
-                <a:cs typeface="Pretendard Medium" panose="02000603000000020004" pitchFamily="2" charset="-127"/>
-              </a:rPr>
-              <a:t>[ALL] </a:t>
-            </a:r>
-            <a:r>
-              <a:rPr lang="ko-KR" altLang="en-US" dirty="0">
-                <a:latin typeface="Pretendard Medium" panose="02000603000000020004" pitchFamily="2" charset="-127"/>
-                <a:ea typeface="Pretendard Medium" panose="02000603000000020004" pitchFamily="2" charset="-127"/>
-                <a:cs typeface="Pretendard Medium" panose="02000603000000020004" pitchFamily="2" charset="-127"/>
-              </a:rPr>
-              <a:t>필요한 사운드 </a:t>
-            </a:r>
-            <a:r>
-              <a:rPr lang="en-US" altLang="ko-KR" dirty="0">
-                <a:solidFill>
-                  <a:srgbClr val="0070C0"/>
-                </a:solidFill>
-                <a:latin typeface="Pretendard Medium" panose="02000603000000020004" pitchFamily="2" charset="-127"/>
-                <a:ea typeface="Pretendard Medium" panose="02000603000000020004" pitchFamily="2" charset="-127"/>
-                <a:cs typeface="Pretendard Medium" panose="02000603000000020004" pitchFamily="2" charset="-127"/>
-              </a:rPr>
-              <a:t>=&gt; </a:t>
-            </a:r>
-            <a:r>
-              <a:rPr lang="ko-KR" altLang="en-US" dirty="0">
-                <a:solidFill>
-                  <a:srgbClr val="0070C0"/>
-                </a:solidFill>
-                <a:latin typeface="Pretendard Medium" panose="02000603000000020004" pitchFamily="2" charset="-127"/>
-                <a:ea typeface="Pretendard Medium" panose="02000603000000020004" pitchFamily="2" charset="-127"/>
-                <a:cs typeface="Pretendard Medium" panose="02000603000000020004" pitchFamily="2" charset="-127"/>
-              </a:rPr>
-              <a:t>녹화에 사운드 다 있음</a:t>
-            </a:r>
-          </a:p>
-        </p:txBody>
-      </p:sp>
-      <p:sp>
-        <p:nvSpPr>
-          <p:cNvPr id="3" name="TextBox 2">
-            <a:extLst>
-              <a:ext uri="{FF2B5EF4-FFF2-40B4-BE49-F238E27FC236}">
-                <a16:creationId xmlns:a16="http://schemas.microsoft.com/office/drawing/2014/main" id="{1967EE29-3FF9-4790-4A38-972517AF9D9B}"/>
-              </a:ext>
-            </a:extLst>
-          </p:cNvPr>
-          <p:cNvSpPr txBox="1"/>
-          <p:nvPr/>
-        </p:nvSpPr>
-        <p:spPr>
-          <a:xfrm>
-            <a:off x="0" y="3532910"/>
-            <a:ext cx="3716082" cy="723275"/>
-          </a:xfrm>
-          <a:prstGeom prst="rect">
-            <a:avLst/>
-          </a:prstGeom>
-          <a:noFill/>
-        </p:spPr>
-        <p:txBody>
-          <a:bodyPr wrap="none" rtlCol="0">
-            <a:spAutoFit/>
-          </a:bodyPr>
-          <a:lstStyle/>
-          <a:p>
-            <a:pPr marL="342900" indent="-342900">
-              <a:spcAft>
-                <a:spcPts val="600"/>
-              </a:spcAft>
-              <a:buAutoNum type="arabicPeriod"/>
-            </a:pPr>
-            <a:r>
-              <a:rPr lang="en-US" altLang="ko-KR" dirty="0">
-                <a:latin typeface="Pretendard Medium" panose="02000603000000020004" pitchFamily="2" charset="-127"/>
-                <a:ea typeface="Pretendard Medium" panose="02000603000000020004" pitchFamily="2" charset="-127"/>
-                <a:cs typeface="Pretendard Medium" panose="02000603000000020004" pitchFamily="2" charset="-127"/>
-              </a:rPr>
-              <a:t>[</a:t>
-            </a:r>
-            <a:r>
-              <a:rPr lang="ko-KR" altLang="en-US" dirty="0">
-                <a:latin typeface="Pretendard Medium" panose="02000603000000020004" pitchFamily="2" charset="-127"/>
-                <a:ea typeface="Pretendard Medium" panose="02000603000000020004" pitchFamily="2" charset="-127"/>
-                <a:cs typeface="Pretendard Medium" panose="02000603000000020004" pitchFamily="2" charset="-127"/>
-              </a:rPr>
-              <a:t>집중 스킬</a:t>
-            </a:r>
-            <a:r>
-              <a:rPr lang="en-US" altLang="ko-KR" dirty="0">
-                <a:latin typeface="Pretendard Medium" panose="02000603000000020004" pitchFamily="2" charset="-127"/>
-                <a:ea typeface="Pretendard Medium" panose="02000603000000020004" pitchFamily="2" charset="-127"/>
-                <a:cs typeface="Pretendard Medium" panose="02000603000000020004" pitchFamily="2" charset="-127"/>
-              </a:rPr>
-              <a:t>] </a:t>
-            </a:r>
-            <a:r>
-              <a:rPr lang="ko-KR" altLang="en-US" dirty="0" err="1">
-                <a:latin typeface="Pretendard Medium" panose="02000603000000020004" pitchFamily="2" charset="-127"/>
-                <a:ea typeface="Pretendard Medium" panose="02000603000000020004" pitchFamily="2" charset="-127"/>
-                <a:cs typeface="Pretendard Medium" panose="02000603000000020004" pitchFamily="2" charset="-127"/>
-              </a:rPr>
-              <a:t>적룡포</a:t>
-            </a:r>
-            <a:r>
-              <a:rPr lang="ko-KR" altLang="en-US" dirty="0">
-                <a:latin typeface="Pretendard Medium" panose="02000603000000020004" pitchFamily="2" charset="-127"/>
-                <a:ea typeface="Pretendard Medium" panose="02000603000000020004" pitchFamily="2" charset="-127"/>
-                <a:cs typeface="Pretendard Medium" panose="02000603000000020004" pitchFamily="2" charset="-127"/>
-              </a:rPr>
-              <a:t> </a:t>
-            </a:r>
-            <a:r>
-              <a:rPr lang="en-US" altLang="ko-KR" dirty="0">
-                <a:latin typeface="Pretendard Medium" panose="02000603000000020004" pitchFamily="2" charset="-127"/>
-                <a:ea typeface="Pretendard Medium" panose="02000603000000020004" pitchFamily="2" charset="-127"/>
-                <a:cs typeface="Pretendard Medium" panose="02000603000000020004" pitchFamily="2" charset="-127"/>
-              </a:rPr>
-              <a:t>- </a:t>
-            </a:r>
-            <a:r>
-              <a:rPr lang="ko-KR" altLang="en-US" dirty="0">
-                <a:latin typeface="Pretendard Medium" panose="02000603000000020004" pitchFamily="2" charset="-127"/>
-                <a:ea typeface="Pretendard Medium" panose="02000603000000020004" pitchFamily="2" charset="-127"/>
-                <a:cs typeface="Pretendard Medium" panose="02000603000000020004" pitchFamily="2" charset="-127"/>
-              </a:rPr>
-              <a:t>최대 홀딩 시간</a:t>
-            </a:r>
-            <a:endParaRPr lang="en-US" altLang="ko-KR" dirty="0">
-              <a:latin typeface="Pretendard Medium" panose="02000603000000020004" pitchFamily="2" charset="-127"/>
-              <a:ea typeface="Pretendard Medium" panose="02000603000000020004" pitchFamily="2" charset="-127"/>
-              <a:cs typeface="Pretendard Medium" panose="02000603000000020004" pitchFamily="2" charset="-127"/>
-            </a:endParaRPr>
-          </a:p>
-          <a:p>
-            <a:pPr>
-              <a:spcAft>
-                <a:spcPts val="600"/>
-              </a:spcAft>
-            </a:pPr>
-            <a:r>
-              <a:rPr lang="en-US" altLang="ko-KR" dirty="0">
-                <a:latin typeface="Pretendard Medium" panose="02000603000000020004" pitchFamily="2" charset="-127"/>
-                <a:ea typeface="Pretendard Medium" panose="02000603000000020004" pitchFamily="2" charset="-127"/>
-                <a:cs typeface="Pretendard Medium" panose="02000603000000020004" pitchFamily="2" charset="-127"/>
-              </a:rPr>
-              <a:t>=&gt; </a:t>
-            </a:r>
-            <a:r>
-              <a:rPr lang="ko-KR" altLang="en-US" dirty="0">
-                <a:latin typeface="Pretendard Medium" panose="02000603000000020004" pitchFamily="2" charset="-127"/>
-                <a:ea typeface="Pretendard Medium" panose="02000603000000020004" pitchFamily="2" charset="-127"/>
-                <a:cs typeface="Pretendard Medium" panose="02000603000000020004" pitchFamily="2" charset="-127"/>
-              </a:rPr>
-              <a:t>녹화함 </a:t>
-            </a:r>
-            <a:r>
-              <a:rPr lang="en-US" altLang="ko-KR" dirty="0">
-                <a:latin typeface="Pretendard Medium" panose="02000603000000020004" pitchFamily="2" charset="-127"/>
-                <a:ea typeface="Pretendard Medium" panose="02000603000000020004" pitchFamily="2" charset="-127"/>
-                <a:cs typeface="Pretendard Medium" panose="02000603000000020004" pitchFamily="2" charset="-127"/>
-              </a:rPr>
-              <a:t>(</a:t>
-            </a:r>
-            <a:r>
-              <a:rPr lang="ko-KR" altLang="en-US" dirty="0" err="1">
-                <a:latin typeface="Pretendard Medium" panose="02000603000000020004" pitchFamily="2" charset="-127"/>
-                <a:ea typeface="Pretendard Medium" panose="02000603000000020004" pitchFamily="2" charset="-127"/>
-                <a:cs typeface="Pretendard Medium" panose="02000603000000020004" pitchFamily="2" charset="-127"/>
-              </a:rPr>
-              <a:t>공속</a:t>
-            </a:r>
-            <a:r>
-              <a:rPr lang="ko-KR" altLang="en-US" dirty="0">
-                <a:latin typeface="Pretendard Medium" panose="02000603000000020004" pitchFamily="2" charset="-127"/>
-                <a:ea typeface="Pretendard Medium" panose="02000603000000020004" pitchFamily="2" charset="-127"/>
-                <a:cs typeface="Pretendard Medium" panose="02000603000000020004" pitchFamily="2" charset="-127"/>
-              </a:rPr>
-              <a:t> </a:t>
-            </a:r>
-            <a:r>
-              <a:rPr lang="en-US" altLang="ko-KR" dirty="0">
-                <a:latin typeface="Pretendard Medium" panose="02000603000000020004" pitchFamily="2" charset="-127"/>
-                <a:ea typeface="Pretendard Medium" panose="02000603000000020004" pitchFamily="2" charset="-127"/>
-                <a:cs typeface="Pretendard Medium" panose="02000603000000020004" pitchFamily="2" charset="-127"/>
-              </a:rPr>
-              <a:t>100% </a:t>
-            </a:r>
-            <a:r>
-              <a:rPr lang="ko-KR" altLang="en-US" dirty="0">
-                <a:latin typeface="Pretendard Medium" panose="02000603000000020004" pitchFamily="2" charset="-127"/>
-                <a:ea typeface="Pretendard Medium" panose="02000603000000020004" pitchFamily="2" charset="-127"/>
-                <a:cs typeface="Pretendard Medium" panose="02000603000000020004" pitchFamily="2" charset="-127"/>
-              </a:rPr>
-              <a:t>기준</a:t>
-            </a:r>
-            <a:r>
-              <a:rPr lang="en-US" altLang="ko-KR" dirty="0">
-                <a:latin typeface="Pretendard Medium" panose="02000603000000020004" pitchFamily="2" charset="-127"/>
-                <a:ea typeface="Pretendard Medium" panose="02000603000000020004" pitchFamily="2" charset="-127"/>
-                <a:cs typeface="Pretendard Medium" panose="02000603000000020004" pitchFamily="2" charset="-127"/>
-              </a:rPr>
-              <a:t>)</a:t>
-            </a:r>
-          </a:p>
-        </p:txBody>
-      </p:sp>
-      <p:sp>
-        <p:nvSpPr>
-          <p:cNvPr id="5" name="TextBox 4">
-            <a:extLst>
-              <a:ext uri="{FF2B5EF4-FFF2-40B4-BE49-F238E27FC236}">
-                <a16:creationId xmlns:a16="http://schemas.microsoft.com/office/drawing/2014/main" id="{C2BFF6F1-BBE1-4779-9CEF-6D7BC9B76DD2}"/>
-              </a:ext>
-            </a:extLst>
-          </p:cNvPr>
-          <p:cNvSpPr txBox="1"/>
-          <p:nvPr/>
-        </p:nvSpPr>
-        <p:spPr>
-          <a:xfrm>
-            <a:off x="4924425" y="2380385"/>
+            <a:off x="0" y="0"/>
             <a:ext cx="6454011" cy="584775"/>
           </a:xfrm>
           <a:prstGeom prst="rect">
